--- a/study/ppt/[스터디]3.8자유도_KDH.pptx
+++ b/study/ppt/[스터디]3.8자유도_KDH.pptx
@@ -5,11 +5,12 @@
     <p:sldMasterId id="2147483648" r:id="rId1"/>
   </p:sldMasterIdLst>
   <p:notesMasterIdLst>
-    <p:notesMasterId r:id="rId4"/>
+    <p:notesMasterId r:id="rId5"/>
   </p:notesMasterIdLst>
   <p:sldIdLst>
     <p:sldId id="258" r:id="rId2"/>
     <p:sldId id="257" r:id="rId3"/>
+    <p:sldId id="259" r:id="rId4"/>
   </p:sldIdLst>
   <p:sldSz cx="9906000" cy="6858000" type="A4"/>
   <p:notesSz cx="6858000" cy="9144000"/>
@@ -308,7 +309,7 @@
       </p15:sldGuideLst>
     </p:ext>
     <p:ext uri="http://customooxmlschemas.google.com/">
-      <go:slidesCustomData xmlns:go="http://customooxmlschemas.google.com/" xmlns:p15="http://schemas.microsoft.com/office/powerpoint/2012/main" xmlns:p14="http://schemas.microsoft.com/office/powerpoint/2010/main" xmlns:com="http://schemas.openxmlformats.org/drawingml/2006/compatibility" xmlns:pvml="urn:schemas-microsoft-com:office:powerpoint" xmlns:v="urn:schemas-microsoft-com:vml" xmlns:o="urn:schemas-microsoft-com:office:office" xmlns:dgm="http://schemas.openxmlformats.org/drawingml/2006/diagram" xmlns:c="http://schemas.openxmlformats.org/drawingml/2006/chart" xmlns:mv="urn:schemas-microsoft-com:mac:vml" xmlns:mc="http://schemas.openxmlformats.org/markup-compatibility/2006" xmlns="" r:id="rId10" roundtripDataSignature="AMtx7mhva3UHPhQA4WbyUQCroSE+7w+SGg=="/>
+      <go:slidesCustomData xmlns="" xmlns:mc="http://schemas.openxmlformats.org/markup-compatibility/2006" xmlns:mv="urn:schemas-microsoft-com:mac:vml" xmlns:c="http://schemas.openxmlformats.org/drawingml/2006/chart" xmlns:dgm="http://schemas.openxmlformats.org/drawingml/2006/diagram" xmlns:o="urn:schemas-microsoft-com:office:office" xmlns:v="urn:schemas-microsoft-com:vml" xmlns:pvml="urn:schemas-microsoft-com:office:powerpoint" xmlns:com="http://schemas.openxmlformats.org/drawingml/2006/compatibility" xmlns:p14="http://schemas.microsoft.com/office/powerpoint/2010/main" xmlns:p15="http://schemas.microsoft.com/office/powerpoint/2012/main" xmlns:go="http://customooxmlschemas.google.com/" r:id="rId10" roundtripDataSignature="AMtx7mhva3UHPhQA4WbyUQCroSE+7w+SGg=="/>
     </p:ext>
   </p:extLst>
 </p:presentation>
@@ -1621,6 +1622,15 @@
               <a:buFont typeface="Noto Sans Symbols"/>
               <a:buNone/>
             </a:pPr>
+            <a:r>
+              <a:rPr lang="en-US" altLang="ko-KR" dirty="0">
+                <a:highlight>
+                  <a:srgbClr val="FFFF00"/>
+                </a:highlight>
+                <a:hlinkClick r:id="rId3"/>
+              </a:rPr>
+              <a:t>https://www.youtube.com/watch?v=8e-WoY38ifA</a:t>
+            </a:r>
             <a:endParaRPr dirty="0">
               <a:highlight>
                 <a:srgbClr val="FFFF00"/>
@@ -4096,7 +4106,7 @@
         <p:spPr>
           <a:xfrm>
             <a:off x="0" y="1114072"/>
-            <a:ext cx="9906000" cy="4985980"/>
+            <a:ext cx="6536724" cy="1985672"/>
           </a:xfrm>
           <a:prstGeom prst="rect">
             <a:avLst/>
@@ -4125,47 +4135,6 @@
             <a:endParaRPr lang="en-US" altLang="ko-KR" sz="2000" b="1" dirty="0"/>
           </a:p>
           <a:p>
-            <a:pPr>
-              <a:lnSpc>
-                <a:spcPct val="150000"/>
-              </a:lnSpc>
-            </a:pPr>
-            <a:endParaRPr lang="en-US" altLang="ko-KR" sz="2000" b="1" dirty="0"/>
-          </a:p>
-          <a:p>
-            <a:pPr marL="342900" indent="-342900">
-              <a:lnSpc>
-                <a:spcPct val="150000"/>
-              </a:lnSpc>
-              <a:buFont typeface="+mj-lt"/>
-              <a:buAutoNum type="arabicPeriod"/>
-            </a:pPr>
-            <a:r>
-              <a:rPr lang="ko-KR" altLang="en-US" sz="2000" b="1" dirty="0"/>
-              <a:t>순열검정</a:t>
-            </a:r>
-            <a:r>
-              <a:rPr lang="en-US" altLang="ko-KR" sz="2000" b="1" dirty="0"/>
-              <a:t>(</a:t>
-            </a:r>
-            <a:r>
-              <a:rPr lang="ko-KR" altLang="en-US" sz="2000" b="1" dirty="0" err="1"/>
-              <a:t>임의순열검정</a:t>
-            </a:r>
-            <a:r>
-              <a:rPr lang="en-US" altLang="ko-KR" sz="2000" b="1" dirty="0"/>
-              <a:t>, </a:t>
-            </a:r>
-            <a:r>
-              <a:rPr lang="ko-KR" altLang="en-US" sz="2000" b="1" dirty="0"/>
-              <a:t>임의화 검정</a:t>
-            </a:r>
-            <a:r>
-              <a:rPr lang="en-US" altLang="ko-KR" sz="2000" b="1" dirty="0"/>
-              <a:t>)</a:t>
-            </a:r>
-          </a:p>
-          <a:p>
             <a:pPr marL="285750" indent="-285750">
               <a:lnSpc>
                 <a:spcPct val="150000"/>
@@ -4174,14 +4143,22 @@
               <a:buChar char="•"/>
             </a:pPr>
             <a:r>
-              <a:rPr lang="ko-KR" altLang="en-US" sz="1800" dirty="0"/>
-              <a:t>순열 검정은 가설 검정에 가장 적합하며 부트스트랩은 신뢰 구간 추정에 가장 적합합니다</a:t>
+              <a:rPr lang="ko-KR" altLang="en-US" sz="1600" b="1" dirty="0"/>
+              <a:t>자유도  </a:t>
             </a:r>
             <a:r>
-              <a:rPr lang="en-US" altLang="ko-KR" dirty="0"/>
-              <a:t>.</a:t>
+              <a:rPr lang="ko-KR" altLang="en-US" sz="1600" dirty="0"/>
+              <a:t>주어진 조건 하에서 자유롭게 </a:t>
             </a:r>
-            <a:endParaRPr lang="ko-KR" altLang="en-US" sz="1800" b="1" dirty="0"/>
+            <a:r>
+              <a:rPr lang="ko-KR" altLang="en-US" sz="1600" dirty="0" err="1"/>
+              <a:t>변화될수</a:t>
+            </a:r>
+            <a:r>
+              <a:rPr lang="ko-KR" altLang="en-US" sz="1600" dirty="0"/>
+              <a:t> 있는 요소의 수</a:t>
+            </a:r>
+            <a:endParaRPr lang="en-US" altLang="ko-KR" sz="1600" dirty="0"/>
           </a:p>
           <a:p>
             <a:pPr>
@@ -4190,122 +4167,322 @@
               </a:lnSpc>
             </a:pPr>
             <a:r>
-              <a:rPr lang="en-US" altLang="ko-KR" sz="1800" dirty="0"/>
-              <a:t>.</a:t>
+              <a:rPr lang="ko-KR" altLang="en-US" sz="1600" dirty="0"/>
+              <a:t>모집단의 분산을 추정하고자 할 때 분모에 </a:t>
             </a:r>
+            <a:r>
+              <a:rPr lang="en-US" altLang="ko-KR" sz="1600" dirty="0"/>
+              <a:t>n</a:t>
+            </a:r>
+            <a:r>
+              <a:rPr lang="ko-KR" altLang="en-US" sz="1600" dirty="0"/>
+              <a:t>을 사용하면 편향이 생김</a:t>
+            </a:r>
+            <a:r>
+              <a:rPr lang="en-US" altLang="ko-KR" sz="1600" dirty="0"/>
+              <a:t>, n-1</a:t>
+            </a:r>
+            <a:r>
+              <a:rPr lang="ko-KR" altLang="en-US" sz="1600" dirty="0"/>
+              <a:t>로 하면 편향이 생기지 않음</a:t>
+            </a:r>
+            <a:endParaRPr lang="en-US" altLang="ko-KR" sz="1600" dirty="0"/>
           </a:p>
           <a:p>
-            <a:pPr marL="342900" indent="-342900">
+            <a:pPr>
               <a:lnSpc>
                 <a:spcPct val="150000"/>
               </a:lnSpc>
-              <a:buFont typeface="+mj-lt"/>
-              <a:buAutoNum type="arabicPeriod" startAt="2"/>
             </a:pPr>
+            <a:endParaRPr lang="en-US" altLang="ko-KR" sz="1600" dirty="0"/>
+          </a:p>
+        </p:txBody>
+      </p:sp>
+      <p:graphicFrame>
+        <p:nvGraphicFramePr>
+          <p:cNvPr id="2" name="표 2">
+            <a:extLst>
+              <a:ext uri="{FF2B5EF4-FFF2-40B4-BE49-F238E27FC236}">
+                <a16:creationId xmlns:a16="http://schemas.microsoft.com/office/drawing/2014/main" id="{C1D60B6B-5BC0-47F0-A804-875F6F3EAD6D}"/>
+              </a:ext>
+            </a:extLst>
+          </p:cNvPr>
+          <p:cNvGraphicFramePr>
+            <a:graphicFrameLocks noGrp="1"/>
+          </p:cNvGraphicFramePr>
+          <p:nvPr>
+            <p:extLst>
+              <p:ext uri="{D42A27DB-BD31-4B8C-83A1-F6EECF244321}">
+                <p14:modId xmlns:p14="http://schemas.microsoft.com/office/powerpoint/2010/main" val="3611439210"/>
+              </p:ext>
+            </p:extLst>
+          </p:nvPr>
+        </p:nvGraphicFramePr>
+        <p:xfrm>
+          <a:off x="6740238" y="2508532"/>
+          <a:ext cx="2437674" cy="1489408"/>
+        </p:xfrm>
+        <a:graphic>
+          <a:graphicData uri="http://schemas.openxmlformats.org/drawingml/2006/table">
+            <a:tbl>
+              <a:tblPr firstRow="1" bandRow="1">
+                <a:tableStyleId>{5C22544A-7EE6-4342-B048-85BDC9FD1C3A}</a:tableStyleId>
+              </a:tblPr>
+              <a:tblGrid>
+                <a:gridCol w="1218837">
+                  <a:extLst>
+                    <a:ext uri="{9D8B030D-6E8A-4147-A177-3AD203B41FA5}">
+                      <a16:colId xmlns:a16="http://schemas.microsoft.com/office/drawing/2014/main" val="990409325"/>
+                    </a:ext>
+                  </a:extLst>
+                </a:gridCol>
+                <a:gridCol w="1218837">
+                  <a:extLst>
+                    <a:ext uri="{9D8B030D-6E8A-4147-A177-3AD203B41FA5}">
+                      <a16:colId xmlns:a16="http://schemas.microsoft.com/office/drawing/2014/main" val="1401713942"/>
+                    </a:ext>
+                  </a:extLst>
+                </a:gridCol>
+              </a:tblGrid>
+              <a:tr h="372352">
+                <a:tc>
+                  <a:txBody>
+                    <a:bodyPr/>
+                    <a:lstStyle/>
+                    <a:p>
+                      <a:pPr algn="ctr" latinLnBrk="1"/>
+                      <a:r>
+                        <a:rPr lang="ko-KR" altLang="en-US" sz="1600" dirty="0"/>
+                        <a:t>학생</a:t>
+                      </a:r>
+                    </a:p>
+                  </a:txBody>
+                  <a:tcPr/>
+                </a:tc>
+                <a:tc>
+                  <a:txBody>
+                    <a:bodyPr/>
+                    <a:lstStyle/>
+                    <a:p>
+                      <a:pPr algn="ctr" latinLnBrk="1"/>
+                      <a:r>
+                        <a:rPr lang="ko-KR" altLang="en-US" sz="1600" dirty="0"/>
+                        <a:t>평균</a:t>
+                      </a:r>
+                    </a:p>
+                  </a:txBody>
+                  <a:tcPr/>
+                </a:tc>
+                <a:extLst>
+                  <a:ext uri="{0D108BD9-81ED-4DB2-BD59-A6C34878D82A}">
+                    <a16:rowId xmlns:a16="http://schemas.microsoft.com/office/drawing/2014/main" val="3695062932"/>
+                  </a:ext>
+                </a:extLst>
+              </a:tr>
+              <a:tr h="372352">
+                <a:tc>
+                  <a:txBody>
+                    <a:bodyPr/>
+                    <a:lstStyle/>
+                    <a:p>
+                      <a:pPr latinLnBrk="1"/>
+                      <a:r>
+                        <a:rPr lang="en-US" altLang="ko-KR" sz="1600" dirty="0"/>
+                        <a:t>A</a:t>
+                      </a:r>
+                      <a:endParaRPr lang="ko-KR" altLang="en-US" sz="1600" dirty="0"/>
+                    </a:p>
+                  </a:txBody>
+                  <a:tcPr/>
+                </a:tc>
+                <a:tc>
+                  <a:txBody>
+                    <a:bodyPr/>
+                    <a:lstStyle/>
+                    <a:p>
+                      <a:pPr latinLnBrk="1"/>
+                      <a:r>
+                        <a:rPr lang="en-US" altLang="ko-KR" sz="1600" dirty="0"/>
+                        <a:t>3</a:t>
+                      </a:r>
+                      <a:endParaRPr lang="ko-KR" altLang="en-US" sz="1600" dirty="0"/>
+                    </a:p>
+                  </a:txBody>
+                  <a:tcPr/>
+                </a:tc>
+                <a:extLst>
+                  <a:ext uri="{0D108BD9-81ED-4DB2-BD59-A6C34878D82A}">
+                    <a16:rowId xmlns:a16="http://schemas.microsoft.com/office/drawing/2014/main" val="291977051"/>
+                  </a:ext>
+                </a:extLst>
+              </a:tr>
+              <a:tr h="372352">
+                <a:tc>
+                  <a:txBody>
+                    <a:bodyPr/>
+                    <a:lstStyle/>
+                    <a:p>
+                      <a:pPr latinLnBrk="1"/>
+                      <a:r>
+                        <a:rPr lang="en-US" altLang="ko-KR" sz="1600" dirty="0"/>
+                        <a:t>B</a:t>
+                      </a:r>
+                      <a:endParaRPr lang="ko-KR" altLang="en-US" sz="1600" dirty="0"/>
+                    </a:p>
+                  </a:txBody>
+                  <a:tcPr/>
+                </a:tc>
+                <a:tc>
+                  <a:txBody>
+                    <a:bodyPr/>
+                    <a:lstStyle/>
+                    <a:p>
+                      <a:pPr latinLnBrk="1"/>
+                      <a:r>
+                        <a:rPr lang="en-US" altLang="ko-KR" sz="1600" dirty="0"/>
+                        <a:t>4</a:t>
+                      </a:r>
+                      <a:endParaRPr lang="ko-KR" altLang="en-US" sz="1600" dirty="0"/>
+                    </a:p>
+                  </a:txBody>
+                  <a:tcPr/>
+                </a:tc>
+                <a:extLst>
+                  <a:ext uri="{0D108BD9-81ED-4DB2-BD59-A6C34878D82A}">
+                    <a16:rowId xmlns:a16="http://schemas.microsoft.com/office/drawing/2014/main" val="3224371625"/>
+                  </a:ext>
+                </a:extLst>
+              </a:tr>
+              <a:tr h="372352">
+                <a:tc>
+                  <a:txBody>
+                    <a:bodyPr/>
+                    <a:lstStyle/>
+                    <a:p>
+                      <a:pPr latinLnBrk="1"/>
+                      <a:r>
+                        <a:rPr lang="en-US" altLang="ko-KR" sz="1600" dirty="0"/>
+                        <a:t>C</a:t>
+                      </a:r>
+                      <a:endParaRPr lang="ko-KR" altLang="en-US" sz="1600" dirty="0"/>
+                    </a:p>
+                  </a:txBody>
+                  <a:tcPr/>
+                </a:tc>
+                <a:tc>
+                  <a:txBody>
+                    <a:bodyPr/>
+                    <a:lstStyle/>
+                    <a:p>
+                      <a:pPr latinLnBrk="1"/>
+                      <a:r>
+                        <a:rPr lang="en-US" altLang="ko-KR" sz="1600" dirty="0"/>
+                        <a:t>?</a:t>
+                      </a:r>
+                      <a:endParaRPr lang="ko-KR" altLang="en-US" sz="1600" dirty="0"/>
+                    </a:p>
+                  </a:txBody>
+                  <a:tcPr/>
+                </a:tc>
+                <a:extLst>
+                  <a:ext uri="{0D108BD9-81ED-4DB2-BD59-A6C34878D82A}">
+                    <a16:rowId xmlns:a16="http://schemas.microsoft.com/office/drawing/2014/main" val="2813126204"/>
+                  </a:ext>
+                </a:extLst>
+              </a:tr>
+            </a:tbl>
+          </a:graphicData>
+        </a:graphic>
+      </p:graphicFrame>
+      <p:sp>
+        <p:nvSpPr>
+          <p:cNvPr id="4" name="TextBox 3">
+            <a:extLst>
+              <a:ext uri="{FF2B5EF4-FFF2-40B4-BE49-F238E27FC236}">
+                <a16:creationId xmlns:a16="http://schemas.microsoft.com/office/drawing/2014/main" id="{DE93B914-91B6-435B-8030-C381DA354F36}"/>
+              </a:ext>
+            </a:extLst>
+          </p:cNvPr>
+          <p:cNvSpPr txBox="1"/>
+          <p:nvPr/>
+        </p:nvSpPr>
+        <p:spPr>
+          <a:xfrm>
+            <a:off x="6796235" y="2063578"/>
+            <a:ext cx="2347784" cy="338554"/>
+          </a:xfrm>
+          <a:prstGeom prst="rect">
+            <a:avLst/>
+          </a:prstGeom>
+          <a:noFill/>
+        </p:spPr>
+        <p:txBody>
+          <a:bodyPr wrap="square" rtlCol="0">
+            <a:spAutoFit/>
+          </a:bodyPr>
+          <a:lstStyle/>
+          <a:p>
             <a:r>
-              <a:rPr lang="ko-KR" altLang="en-US" sz="2000" b="1" dirty="0" err="1"/>
-              <a:t>전체순열검정</a:t>
+              <a:rPr lang="ko-KR" altLang="en-US" sz="1600" dirty="0"/>
+              <a:t>평균 </a:t>
             </a:r>
             <a:r>
-              <a:rPr lang="ko-KR" altLang="en-US" sz="2000" dirty="0"/>
-              <a:t> </a:t>
+              <a:rPr lang="en-US" altLang="ko-KR" sz="1600" dirty="0"/>
+              <a:t>= 3, n = 3</a:t>
             </a:r>
-            <a:r>
-              <a:rPr lang="en-US" altLang="ko-KR" sz="2000" dirty="0"/>
-              <a:t>(exhaustive permutation test)</a:t>
-            </a:r>
+            <a:endParaRPr lang="ko-KR" altLang="en-US" sz="1600" dirty="0"/>
           </a:p>
+        </p:txBody>
+      </p:sp>
+      <p:sp>
+        <p:nvSpPr>
+          <p:cNvPr id="5" name="직사각형 4">
+            <a:extLst>
+              <a:ext uri="{FF2B5EF4-FFF2-40B4-BE49-F238E27FC236}">
+                <a16:creationId xmlns:a16="http://schemas.microsoft.com/office/drawing/2014/main" id="{ED055D0A-521A-4794-B7DF-FB702312F261}"/>
+              </a:ext>
+            </a:extLst>
+          </p:cNvPr>
+          <p:cNvSpPr/>
+          <p:nvPr/>
+        </p:nvSpPr>
+        <p:spPr>
+          <a:xfrm>
+            <a:off x="6685005" y="2842054"/>
+            <a:ext cx="1285103" cy="840260"/>
+          </a:xfrm>
+          <a:prstGeom prst="rect">
+            <a:avLst/>
+          </a:prstGeom>
+          <a:noFill/>
+          <a:ln w="38100">
+            <a:solidFill>
+              <a:srgbClr val="FF0000"/>
+            </a:solidFill>
+          </a:ln>
+        </p:spPr>
+        <p:style>
+          <a:lnRef idx="2">
+            <a:schemeClr val="accent1">
+              <a:shade val="50000"/>
+            </a:schemeClr>
+          </a:lnRef>
+          <a:fillRef idx="1">
+            <a:schemeClr val="accent1"/>
+          </a:fillRef>
+          <a:effectRef idx="0">
+            <a:schemeClr val="accent1"/>
+          </a:effectRef>
+          <a:fontRef idx="minor">
+            <a:schemeClr val="lt1"/>
+          </a:fontRef>
+        </p:style>
+        <p:txBody>
+          <a:bodyPr rtlCol="0" anchor="ctr"/>
+          <a:lstStyle/>
           <a:p>
-            <a:pPr marL="285750" lvl="1" indent="-285750">
-              <a:lnSpc>
-                <a:spcPct val="150000"/>
-              </a:lnSpc>
-              <a:buFont typeface="Arial" panose="020B0604020202020204" pitchFamily="34" charset="0"/>
-              <a:buChar char="•"/>
-            </a:pPr>
-            <a:r>
-              <a:rPr lang="ko-KR" altLang="en-US" sz="1800" dirty="0"/>
-              <a:t>데이터를 무작위로 섞는 대신 실제로 발생할 수 있는 모든 가능한 조합을 찾는다</a:t>
-            </a:r>
-          </a:p>
-          <a:p>
-            <a:pPr marL="285750" lvl="1" indent="-285750">
-              <a:lnSpc>
-                <a:spcPct val="150000"/>
-              </a:lnSpc>
-              <a:buFont typeface="Arial" panose="020B0604020202020204" pitchFamily="34" charset="0"/>
-              <a:buChar char="•"/>
-            </a:pPr>
-            <a:r>
-              <a:rPr lang="ko-KR" altLang="en-US" sz="1800" dirty="0"/>
-              <a:t>샘플 크기가 비교적 작을 때만 실용적이다</a:t>
-            </a:r>
-          </a:p>
-          <a:p>
-            <a:pPr marL="285750" lvl="1" indent="-285750">
-              <a:lnSpc>
-                <a:spcPct val="150000"/>
-              </a:lnSpc>
-              <a:buFont typeface="Arial" panose="020B0604020202020204" pitchFamily="34" charset="0"/>
-              <a:buChar char="•"/>
-            </a:pPr>
-            <a:r>
-              <a:rPr lang="ko-KR" altLang="en-US" sz="1800" dirty="0"/>
-              <a:t>순열검정의 결과는 </a:t>
-            </a:r>
-            <a:r>
-              <a:rPr lang="ko-KR" altLang="en-US" sz="1800" dirty="0" err="1"/>
-              <a:t>셔플링을</a:t>
-            </a:r>
-            <a:r>
-              <a:rPr lang="ko-KR" altLang="en-US" sz="1800" dirty="0"/>
-              <a:t> 많이 반복할수록 </a:t>
-            </a:r>
-            <a:r>
-              <a:rPr lang="ko-KR" altLang="en-US" sz="1800" dirty="0" err="1"/>
-              <a:t>전체순열검정의</a:t>
-            </a:r>
-            <a:r>
-              <a:rPr lang="ko-KR" altLang="en-US" sz="1800" dirty="0"/>
-              <a:t> 결과와 </a:t>
-            </a:r>
-            <a:r>
-              <a:rPr lang="ko-KR" altLang="en-US" sz="1800" dirty="0" err="1"/>
-              <a:t>비슷해진다</a:t>
-            </a:r>
-            <a:endParaRPr lang="ko-KR" altLang="en-US" sz="1800" dirty="0"/>
-          </a:p>
-          <a:p>
-            <a:pPr marL="285750" lvl="1" indent="-285750">
-              <a:lnSpc>
-                <a:spcPct val="150000"/>
-              </a:lnSpc>
-              <a:buFont typeface="Arial" panose="020B0604020202020204" pitchFamily="34" charset="0"/>
-              <a:buChar char="•"/>
-            </a:pPr>
-            <a:r>
-              <a:rPr lang="ko-KR" altLang="en-US" sz="1800" dirty="0"/>
-              <a:t>더 정확한 결론을 보장하기 때문에 정확검정 </a:t>
-            </a:r>
-            <a:r>
-              <a:rPr lang="en-US" altLang="ko-KR" sz="1800" dirty="0"/>
-              <a:t>(exact test) </a:t>
-            </a:r>
-            <a:r>
-              <a:rPr lang="ko-KR" altLang="en-US" sz="1800" dirty="0"/>
-              <a:t>라고도 한다</a:t>
-            </a:r>
-            <a:endParaRPr lang="en-US" altLang="ko-KR" sz="1800" dirty="0"/>
-          </a:p>
-          <a:p>
-            <a:pPr lvl="1"/>
-            <a:r>
-              <a:rPr lang="en-US" altLang="ko-KR" sz="1800" dirty="0">
-                <a:hlinkClick r:id="rId3"/>
-              </a:rPr>
-              <a:t>https://m.blog.naver.com/PostView.nhn?blogId=2feelus&amp;logNo=220391880091&amp;proxyReferer=https:%2F%2Fwww.google.com%2F</a:t>
-            </a:r>
-            <a:endParaRPr lang="ko-KR" altLang="en-US" sz="1800" dirty="0"/>
+            <a:pPr algn="ctr"/>
+            <a:endParaRPr lang="ko-KR" altLang="en-US"/>
           </a:p>
         </p:txBody>
       </p:sp>
@@ -4522,138 +4699,165 @@
           </a:bodyPr>
           <a:lstStyle/>
           <a:p>
-            <a:pPr marL="342900" indent="-342900">
-              <a:lnSpc>
-                <a:spcPct val="150000"/>
-              </a:lnSpc>
-              <a:buFont typeface="+mj-lt"/>
-              <a:buAutoNum type="arabicPeriod" startAt="3"/>
-            </a:pPr>
             <a:r>
-              <a:rPr lang="ko-KR" altLang="en-US" sz="2000" b="1" dirty="0"/>
-              <a:t>부트스트랩 순열검정</a:t>
+              <a:rPr lang="ko-KR" altLang="en-US" sz="2400" dirty="0"/>
+              <a:t>표본을 통해 모집단의 분산을 추정하고자 할 때 분모에 </a:t>
             </a:r>
             <a:r>
-              <a:rPr lang="ko-KR" altLang="en-US" sz="2000" dirty="0"/>
-              <a:t> </a:t>
+              <a:rPr lang="en-US" altLang="ko-KR" sz="2400" dirty="0"/>
+              <a:t>n </a:t>
             </a:r>
             <a:r>
-              <a:rPr lang="en-US" altLang="ko-KR" sz="2000" dirty="0"/>
-              <a:t>(bootstrap permutation test)</a:t>
+              <a:rPr lang="ko-KR" altLang="en-US" sz="2400" dirty="0"/>
+              <a:t>대신 </a:t>
+            </a:r>
+            <a:r>
+              <a:rPr lang="en-US" altLang="ko-KR" sz="2400" dirty="0"/>
+              <a:t>n-1</a:t>
+            </a:r>
+            <a:r>
+              <a:rPr lang="ko-KR" altLang="en-US" sz="2400" dirty="0"/>
+              <a:t>을 사용해야 </a:t>
+            </a:r>
+            <a:r>
+              <a:rPr lang="ko-KR" altLang="en-US" sz="2400" dirty="0" err="1"/>
+              <a:t>추정값에</a:t>
+            </a:r>
+            <a:r>
+              <a:rPr lang="ko-KR" altLang="en-US" sz="2400" dirty="0"/>
+              <a:t> 편향이 발생하지 않는다</a:t>
+            </a:r>
+            <a:r>
+              <a:rPr lang="en-US" altLang="ko-KR" sz="2400" dirty="0"/>
+              <a:t>. </a:t>
+            </a:r>
+            <a:r>
+              <a:rPr lang="ko-KR" altLang="en-US" sz="2400" dirty="0"/>
+              <a:t>그런데 이것이 데이터 과학에서도 중요할까</a:t>
+            </a:r>
+            <a:r>
+              <a:rPr lang="en-US" altLang="ko-KR" sz="2400" dirty="0"/>
+              <a:t>?</a:t>
             </a:r>
           </a:p>
           <a:p>
-            <a:pPr marL="285750" lvl="1" indent="-285750">
-              <a:lnSpc>
-                <a:spcPct val="150000"/>
-              </a:lnSpc>
-              <a:buFont typeface="Arial" panose="020B0604020202020204" pitchFamily="34" charset="0"/>
-              <a:buChar char="•"/>
-            </a:pPr>
-            <a:r>
-              <a:rPr lang="ko-KR" altLang="en-US" sz="1800" dirty="0"/>
-              <a:t>추출하는 과정을 </a:t>
-            </a:r>
-            <a:r>
-              <a:rPr lang="ko-KR" altLang="en-US" sz="1800" b="1" dirty="0"/>
-              <a:t>복원추출로 진행</a:t>
-            </a:r>
-            <a:r>
-              <a:rPr lang="ko-KR" altLang="en-US" sz="1800" dirty="0"/>
-              <a:t> 한다</a:t>
-            </a:r>
-            <a:endParaRPr lang="en-US" altLang="ko-KR" sz="1800" dirty="0"/>
+            <a:endParaRPr lang="en-US" altLang="ko-KR" sz="2400" dirty="0"/>
           </a:p>
           <a:p>
-            <a:pPr marL="285750" lvl="1" indent="-285750">
-              <a:lnSpc>
-                <a:spcPct val="150000"/>
-              </a:lnSpc>
-              <a:buFont typeface="Arial" panose="020B0604020202020204" pitchFamily="34" charset="0"/>
-              <a:buChar char="•"/>
-            </a:pPr>
-            <a:endParaRPr lang="ko-KR" altLang="en-US" sz="1800" dirty="0"/>
-          </a:p>
-          <a:p>
-            <a:pPr marL="285750" indent="-285750">
-              <a:lnSpc>
-                <a:spcPct val="150000"/>
-              </a:lnSpc>
-              <a:buFont typeface="Arial" panose="020B0604020202020204" pitchFamily="34" charset="0"/>
-              <a:buChar char="•"/>
-            </a:pPr>
             <a:r>
-              <a:rPr lang="ko-KR" altLang="en-US" sz="2000" b="1" dirty="0"/>
-              <a:t>순열검정의 장점</a:t>
+              <a:rPr lang="ko-KR" altLang="en-US" sz="2400" dirty="0"/>
+              <a:t>유의성 검정에서는 그렇지 않다</a:t>
             </a:r>
           </a:p>
           <a:p>
-            <a:pPr marL="285750" lvl="8" indent="-285750">
-              <a:lnSpc>
-                <a:spcPct val="150000"/>
-              </a:lnSpc>
-              <a:buFont typeface="Wingdings" panose="05000000000000000000" pitchFamily="2" charset="2"/>
-              <a:buChar char="ü"/>
-            </a:pPr>
+            <a:pPr lvl="1"/>
             <a:r>
-              <a:rPr lang="ko-KR" altLang="en-US" sz="1800" dirty="0"/>
-              <a:t>상대적으로 코딩하고</a:t>
+              <a:rPr lang="en-US" altLang="ko-KR" sz="2400" dirty="0"/>
+              <a:t>- </a:t>
             </a:r>
             <a:r>
-              <a:rPr lang="en-US" altLang="ko-KR" sz="1800" dirty="0"/>
+              <a:rPr lang="ko-KR" altLang="en-US" sz="2400" dirty="0"/>
+              <a:t>데이터의 크기가 대개 충분히 크기 때문에</a:t>
+            </a:r>
+            <a:r>
+              <a:rPr lang="en-US" altLang="ko-KR" sz="2400" dirty="0"/>
               <a:t>, </a:t>
             </a:r>
             <a:r>
-              <a:rPr lang="ko-KR" altLang="en-US" sz="1800" dirty="0"/>
-              <a:t>해석하고</a:t>
+              <a:rPr lang="ko-KR" altLang="en-US" sz="2400" dirty="0"/>
+              <a:t>분모가 </a:t>
             </a:r>
             <a:r>
-              <a:rPr lang="en-US" altLang="ko-KR" sz="1800" dirty="0"/>
-              <a:t>, </a:t>
+              <a:rPr lang="en-US" altLang="ko-KR" sz="2400" dirty="0"/>
+              <a:t>n</a:t>
             </a:r>
             <a:r>
-              <a:rPr lang="ko-KR" altLang="en-US" sz="1800" dirty="0"/>
-              <a:t>설명하기 쉽다</a:t>
+              <a:rPr lang="ko-KR" altLang="en-US" sz="2400" dirty="0"/>
+              <a:t>인지 </a:t>
+            </a:r>
+            <a:r>
+              <a:rPr lang="en-US" altLang="ko-KR" sz="2400" dirty="0"/>
+              <a:t>n-1</a:t>
+            </a:r>
+            <a:r>
+              <a:rPr lang="ko-KR" altLang="en-US" sz="2400" dirty="0"/>
+              <a:t>인지 크게 중요하지 않은 경우가 많다</a:t>
+            </a:r>
+            <a:endParaRPr lang="en-US" altLang="ko-KR" sz="2400" dirty="0"/>
+          </a:p>
+          <a:p>
+            <a:pPr lvl="1"/>
+            <a:endParaRPr lang="ko-KR" altLang="en-US" sz="2400" dirty="0"/>
+          </a:p>
+          <a:p>
+            <a:r>
+              <a:rPr lang="ko-KR" altLang="en-US" sz="2400" dirty="0"/>
+              <a:t>회귀에서 요인변수를 사용할 때는 중요하다</a:t>
             </a:r>
           </a:p>
           <a:p>
-            <a:pPr marL="285750" lvl="4" indent="-285750">
-              <a:lnSpc>
-                <a:spcPct val="150000"/>
-              </a:lnSpc>
-              <a:buFont typeface="Wingdings" panose="05000000000000000000" pitchFamily="2" charset="2"/>
-              <a:buChar char="ü"/>
-            </a:pPr>
+            <a:pPr lvl="1"/>
             <a:r>
-              <a:rPr lang="ko-KR" altLang="en-US" sz="1800" dirty="0"/>
-              <a:t>데이터의 형태가 다양해도 된다</a:t>
+              <a:rPr lang="en-US" altLang="ko-KR" sz="2400" dirty="0"/>
+              <a:t>- </a:t>
+            </a:r>
+            <a:r>
+              <a:rPr lang="ko-KR" altLang="en-US" sz="2400" dirty="0"/>
+              <a:t>범주형 변수를 </a:t>
+            </a:r>
+            <a:r>
+              <a:rPr lang="en-US" altLang="ko-KR" sz="2400" dirty="0"/>
+              <a:t>dummy </a:t>
+            </a:r>
+            <a:r>
+              <a:rPr lang="ko-KR" altLang="en-US" sz="2400" dirty="0"/>
+              <a:t>변수로 바꾸는 경우</a:t>
+            </a:r>
+            <a:r>
+              <a:rPr lang="en-US" altLang="ko-KR" sz="2400" dirty="0"/>
+              <a:t>!</a:t>
             </a:r>
           </a:p>
           <a:p>
-            <a:pPr marL="285750" lvl="4" indent="-285750">
-              <a:lnSpc>
-                <a:spcPct val="150000"/>
-              </a:lnSpc>
-              <a:buFont typeface="Wingdings" panose="05000000000000000000" pitchFamily="2" charset="2"/>
-              <a:buChar char="ü"/>
-            </a:pPr>
+            <a:pPr lvl="1"/>
             <a:r>
-              <a:rPr lang="ko-KR" altLang="en-US" sz="1800" dirty="0"/>
-              <a:t>샘플 크기가 다양해도 된다</a:t>
+              <a:rPr lang="ko-KR" altLang="en-US" sz="2400" dirty="0"/>
+              <a:t>요일별로 더미 변수를 만든다면 자유도는 </a:t>
             </a:r>
+            <a:r>
+              <a:rPr lang="en-US" altLang="ko-KR" sz="2400" dirty="0"/>
+              <a:t>6</a:t>
+            </a:r>
+            <a:r>
+              <a:rPr lang="ko-KR" altLang="en-US" sz="2400" dirty="0"/>
+              <a:t>이어야 한다</a:t>
+            </a:r>
+            <a:endParaRPr lang="en-US" altLang="ko-KR" sz="2400" dirty="0"/>
           </a:p>
           <a:p>
-            <a:pPr marL="285750" lvl="4" indent="-285750">
-              <a:lnSpc>
-                <a:spcPct val="150000"/>
-              </a:lnSpc>
-              <a:buFont typeface="Wingdings" panose="05000000000000000000" pitchFamily="2" charset="2"/>
-              <a:buChar char="ü"/>
-            </a:pPr>
+            <a:pPr lvl="1"/>
             <a:r>
-              <a:rPr lang="ko-KR" altLang="en-US" sz="1800" dirty="0"/>
-              <a:t>데이터가 정규분포를 따를 필요도 없다</a:t>
+              <a:rPr lang="en-US" altLang="ko-KR" sz="2400" dirty="0">
+                <a:highlight>
+                  <a:srgbClr val="FFFF00"/>
+                </a:highlight>
+                <a:hlinkClick r:id="rId3"/>
+              </a:rPr>
+              <a:t>https://m.blog.naver.com/PostView.nhn?blogId=2feelus&amp;logNo=220391880091&amp;proxyReferer=https:%2F%2Fwww.google.com%2F</a:t>
             </a:r>
+            <a:endParaRPr lang="ko-KR" altLang="en-US" sz="2400" dirty="0">
+              <a:highlight>
+                <a:srgbClr val="FFFF00"/>
+              </a:highlight>
+            </a:endParaRPr>
+          </a:p>
+          <a:p>
+            <a:pPr lvl="1"/>
+            <a:endParaRPr lang="en-US" altLang="ko-KR" sz="2400" dirty="0"/>
+          </a:p>
+          <a:p>
+            <a:pPr lvl="1"/>
+            <a:endParaRPr lang="ko-KR" altLang="en-US" sz="2400" dirty="0"/>
           </a:p>
         </p:txBody>
       </p:sp>
@@ -4661,6 +4865,36 @@
     <p:extLst>
       <p:ext uri="{BB962C8B-B14F-4D97-AF65-F5344CB8AC3E}">
         <p14:creationId xmlns:p14="http://schemas.microsoft.com/office/powerpoint/2010/main" val="2655589011"/>
+      </p:ext>
+    </p:extLst>
+  </p:cSld>
+  <p:clrMapOvr>
+    <a:masterClrMapping/>
+  </p:clrMapOvr>
+</p:sld>
+</file>
+
+<file path=ppt/slides/slide3.xml><?xml version="1.0" encoding="utf-8"?>
+<p:sld xmlns:a="http://schemas.openxmlformats.org/drawingml/2006/main" xmlns:r="http://schemas.openxmlformats.org/officeDocument/2006/relationships" xmlns:p="http://schemas.openxmlformats.org/presentationml/2006/main">
+  <p:cSld>
+    <p:spTree>
+      <p:nvGrpSpPr>
+        <p:cNvPr id="1" name=""/>
+        <p:cNvGrpSpPr/>
+        <p:nvPr/>
+      </p:nvGrpSpPr>
+      <p:grpSpPr>
+        <a:xfrm>
+          <a:off x="0" y="0"/>
+          <a:ext cx="0" cy="0"/>
+          <a:chOff x="0" y="0"/>
+          <a:chExt cx="0" cy="0"/>
+        </a:xfrm>
+      </p:grpSpPr>
+    </p:spTree>
+    <p:extLst>
+      <p:ext uri="{BB962C8B-B14F-4D97-AF65-F5344CB8AC3E}">
+        <p14:creationId xmlns:p14="http://schemas.microsoft.com/office/powerpoint/2010/main" val="3663201989"/>
       </p:ext>
     </p:extLst>
   </p:cSld>

--- a/study/ppt/[스터디]3.8자유도_KDH.pptx
+++ b/study/ppt/[스터디]3.8자유도_KDH.pptx
@@ -5,12 +5,11 @@
     <p:sldMasterId id="2147483648" r:id="rId1"/>
   </p:sldMasterIdLst>
   <p:notesMasterIdLst>
-    <p:notesMasterId r:id="rId5"/>
+    <p:notesMasterId r:id="rId4"/>
   </p:notesMasterIdLst>
   <p:sldIdLst>
     <p:sldId id="258" r:id="rId2"/>
     <p:sldId id="257" r:id="rId3"/>
-    <p:sldId id="259" r:id="rId4"/>
   </p:sldIdLst>
   <p:sldSz cx="9906000" cy="6858000" type="A4"/>
   <p:notesSz cx="6858000" cy="9144000"/>
@@ -309,7 +308,7 @@
       </p15:sldGuideLst>
     </p:ext>
     <p:ext uri="http://customooxmlschemas.google.com/">
-      <go:slidesCustomData xmlns="" xmlns:mc="http://schemas.openxmlformats.org/markup-compatibility/2006" xmlns:mv="urn:schemas-microsoft-com:mac:vml" xmlns:c="http://schemas.openxmlformats.org/drawingml/2006/chart" xmlns:dgm="http://schemas.openxmlformats.org/drawingml/2006/diagram" xmlns:o="urn:schemas-microsoft-com:office:office" xmlns:v="urn:schemas-microsoft-com:vml" xmlns:pvml="urn:schemas-microsoft-com:office:powerpoint" xmlns:com="http://schemas.openxmlformats.org/drawingml/2006/compatibility" xmlns:p14="http://schemas.microsoft.com/office/powerpoint/2010/main" xmlns:p15="http://schemas.microsoft.com/office/powerpoint/2012/main" xmlns:go="http://customooxmlschemas.google.com/" r:id="rId10" roundtripDataSignature="AMtx7mhva3UHPhQA4WbyUQCroSE+7w+SGg=="/>
+      <go:slidesCustomData xmlns:go="http://customooxmlschemas.google.com/" xmlns:p15="http://schemas.microsoft.com/office/powerpoint/2012/main" xmlns:p14="http://schemas.microsoft.com/office/powerpoint/2010/main" xmlns:com="http://schemas.openxmlformats.org/drawingml/2006/compatibility" xmlns:pvml="urn:schemas-microsoft-com:office:powerpoint" xmlns:v="urn:schemas-microsoft-com:vml" xmlns:o="urn:schemas-microsoft-com:office:office" xmlns:dgm="http://schemas.openxmlformats.org/drawingml/2006/diagram" xmlns:c="http://schemas.openxmlformats.org/drawingml/2006/chart" xmlns:mv="urn:schemas-microsoft-com:mac:vml" xmlns:mc="http://schemas.openxmlformats.org/markup-compatibility/2006" xmlns="" r:id="rId10" roundtripDataSignature="AMtx7mhva3UHPhQA4WbyUQCroSE+7w+SGg=="/>
     </p:ext>
   </p:extLst>
 </p:presentation>
@@ -1623,15 +1622,158 @@
               <a:buNone/>
             </a:pPr>
             <a:r>
-              <a:rPr lang="en-US" altLang="ko-KR" dirty="0">
+              <a:rPr lang="en-US" altLang="ko-KR" u="none" dirty="0">
+                <a:solidFill>
+                  <a:schemeClr val="tx1"/>
+                </a:solidFill>
                 <a:highlight>
                   <a:srgbClr val="FFFF00"/>
                 </a:highlight>
-                <a:hlinkClick r:id="rId3"/>
+                <a:hlinkClick r:id="rId3">
+                  <a:extLst>
+                    <a:ext uri="{A12FA001-AC4F-418D-AE19-62706E023703}">
+                      <ahyp:hlinkClr xmlns:ahyp="http://schemas.microsoft.com/office/drawing/2018/hyperlinkcolor" val="tx"/>
+                    </a:ext>
+                  </a:extLst>
+                </a:hlinkClick>
+              </a:rPr>
+              <a:t>N</a:t>
+            </a:r>
+            <a:r>
+              <a:rPr lang="ko-KR" altLang="en-US" u="none" dirty="0">
+                <a:solidFill>
+                  <a:schemeClr val="tx1"/>
+                </a:solidFill>
+                <a:highlight>
+                  <a:srgbClr val="FFFF00"/>
+                </a:highlight>
+                <a:hlinkClick r:id="rId3">
+                  <a:extLst>
+                    <a:ext uri="{A12FA001-AC4F-418D-AE19-62706E023703}">
+                      <ahyp:hlinkClr xmlns:ahyp="http://schemas.microsoft.com/office/drawing/2018/hyperlinkcolor" val="tx"/>
+                    </a:ext>
+                  </a:extLst>
+                </a:hlinkClick>
+              </a:rPr>
+              <a:t>으로 </a:t>
+            </a:r>
+            <a:r>
+              <a:rPr lang="ko-KR" altLang="en-US" u="none" dirty="0" err="1">
+                <a:solidFill>
+                  <a:schemeClr val="tx1"/>
+                </a:solidFill>
+                <a:highlight>
+                  <a:srgbClr val="FFFF00"/>
+                </a:highlight>
+                <a:hlinkClick r:id="rId3">
+                  <a:extLst>
+                    <a:ext uri="{A12FA001-AC4F-418D-AE19-62706E023703}">
+                      <ahyp:hlinkClr xmlns:ahyp="http://schemas.microsoft.com/office/drawing/2018/hyperlinkcolor" val="tx"/>
+                    </a:ext>
+                  </a:extLst>
+                </a:hlinkClick>
+              </a:rPr>
+              <a:t>할경우</a:t>
+            </a:r>
+            <a:r>
+              <a:rPr lang="ko-KR" altLang="en-US" u="none" dirty="0">
+                <a:solidFill>
+                  <a:schemeClr val="tx1"/>
+                </a:solidFill>
+                <a:highlight>
+                  <a:srgbClr val="FFFF00"/>
+                </a:highlight>
+                <a:hlinkClick r:id="rId3">
+                  <a:extLst>
+                    <a:ext uri="{A12FA001-AC4F-418D-AE19-62706E023703}">
+                      <ahyp:hlinkClr xmlns:ahyp="http://schemas.microsoft.com/office/drawing/2018/hyperlinkcolor" val="tx"/>
+                    </a:ext>
+                  </a:extLst>
+                </a:hlinkClick>
+              </a:rPr>
+              <a:t> 실제 분산소다 작게 나옴</a:t>
+            </a:r>
+            <a:endParaRPr lang="en-US" altLang="ko-KR" u="none" dirty="0">
+              <a:solidFill>
+                <a:schemeClr val="tx1"/>
+              </a:solidFill>
+              <a:highlight>
+                <a:srgbClr val="FFFF00"/>
+              </a:highlight>
+              <a:hlinkClick r:id="rId3">
+                <a:extLst>
+                  <a:ext uri="{A12FA001-AC4F-418D-AE19-62706E023703}">
+                    <ahyp:hlinkClr xmlns:ahyp="http://schemas.microsoft.com/office/drawing/2018/hyperlinkcolor" val="tx"/>
+                  </a:ext>
+                </a:extLst>
+              </a:hlinkClick>
+            </a:endParaRPr>
+          </a:p>
+          <a:p>
+            <a:pPr marL="0" lvl="0" indent="0" algn="l" rtl="0">
+              <a:lnSpc>
+                <a:spcPct val="100000"/>
+              </a:lnSpc>
+              <a:spcBef>
+                <a:spcPts val="0"/>
+              </a:spcBef>
+              <a:spcAft>
+                <a:spcPts val="0"/>
+              </a:spcAft>
+              <a:buClr>
+                <a:schemeClr val="dk1"/>
+              </a:buClr>
+              <a:buSzPts val="1200"/>
+              <a:buFont typeface="Noto Sans Symbols"/>
+              <a:buNone/>
+            </a:pPr>
+            <a:endParaRPr lang="en-US" altLang="ko-KR" u="none" dirty="0">
+              <a:highlight>
+                <a:srgbClr val="FFFF00"/>
+              </a:highlight>
+              <a:hlinkClick r:id="rId3">
+                <a:extLst>
+                  <a:ext uri="{A12FA001-AC4F-418D-AE19-62706E023703}">
+                    <ahyp:hlinkClr xmlns:ahyp="http://schemas.microsoft.com/office/drawing/2018/hyperlinkcolor" val="tx"/>
+                  </a:ext>
+                </a:extLst>
+              </a:hlinkClick>
+            </a:endParaRPr>
+          </a:p>
+          <a:p>
+            <a:pPr marL="0" lvl="0" indent="0" algn="l" rtl="0">
+              <a:lnSpc>
+                <a:spcPct val="100000"/>
+              </a:lnSpc>
+              <a:spcBef>
+                <a:spcPts val="0"/>
+              </a:spcBef>
+              <a:spcAft>
+                <a:spcPts val="0"/>
+              </a:spcAft>
+              <a:buClr>
+                <a:schemeClr val="dk1"/>
+              </a:buClr>
+              <a:buSzPts val="1200"/>
+              <a:buFont typeface="Noto Sans Symbols"/>
+              <a:buNone/>
+            </a:pPr>
+            <a:r>
+              <a:rPr lang="en-US" altLang="ko-KR" u="none" dirty="0">
+                <a:highlight>
+                  <a:srgbClr val="FFFF00"/>
+                </a:highlight>
+                <a:hlinkClick r:id="rId3">
+                  <a:extLst>
+                    <a:ext uri="{A12FA001-AC4F-418D-AE19-62706E023703}">
+                      <ahyp:hlinkClr xmlns:ahyp="http://schemas.microsoft.com/office/drawing/2018/hyperlinkcolor" val="tx"/>
+                    </a:ext>
+                  </a:extLst>
+                </a:hlinkClick>
               </a:rPr>
               <a:t>https://www.youtube.com/watch?v=8e-WoY38ifA</a:t>
             </a:r>
-            <a:endParaRPr dirty="0">
+            <a:endParaRPr u="none" dirty="0">
               <a:highlight>
                 <a:srgbClr val="FFFF00"/>
               </a:highlight>
@@ -1794,6 +1936,23 @@
             <a:noAutofit/>
           </a:bodyPr>
           <a:lstStyle/>
+          <a:p>
+            <a:pPr lvl="1"/>
+            <a:r>
+              <a:rPr lang="en-US" altLang="ko-KR" sz="2400" dirty="0">
+                <a:highlight>
+                  <a:srgbClr val="FFFF00"/>
+                </a:highlight>
+                <a:hlinkClick r:id="rId3"/>
+              </a:rPr>
+              <a:t>https://m.blog.naver.com/PostView.nhn?blogId=2feelus&amp;logNo=220391880091&amp;proxyReferer=https:%2F%2Fwww.google.com%2F</a:t>
+            </a:r>
+            <a:endParaRPr lang="en-US" altLang="ko-KR" sz="2400" dirty="0">
+              <a:highlight>
+                <a:srgbClr val="FFFF00"/>
+              </a:highlight>
+            </a:endParaRPr>
+          </a:p>
           <a:p>
             <a:pPr marL="0" lvl="0" indent="0" algn="l" rtl="0">
               <a:lnSpc>
@@ -4106,7 +4265,7 @@
         <p:spPr>
           <a:xfrm>
             <a:off x="0" y="1114072"/>
-            <a:ext cx="6536724" cy="1985672"/>
+            <a:ext cx="9906000" cy="5124993"/>
           </a:xfrm>
           <a:prstGeom prst="rect">
             <a:avLst/>
@@ -4143,10 +4302,6 @@
               <a:buChar char="•"/>
             </a:pPr>
             <a:r>
-              <a:rPr lang="ko-KR" altLang="en-US" sz="1600" b="1" dirty="0"/>
-              <a:t>자유도  </a:t>
-            </a:r>
-            <a:r>
               <a:rPr lang="ko-KR" altLang="en-US" sz="1600" dirty="0"/>
               <a:t>주어진 조건 하에서 자유롭게 </a:t>
             </a:r>
@@ -4157,6 +4312,39 @@
             <a:r>
               <a:rPr lang="ko-KR" altLang="en-US" sz="1600" dirty="0"/>
               <a:t> 있는 요소의 수</a:t>
+            </a:r>
+            <a:r>
+              <a:rPr lang="en-US" altLang="ko-KR" sz="1600" dirty="0"/>
+              <a:t>. </a:t>
+            </a:r>
+          </a:p>
+          <a:p>
+            <a:pPr marL="285750" indent="-285750">
+              <a:lnSpc>
+                <a:spcPct val="150000"/>
+              </a:lnSpc>
+              <a:buFont typeface="Arial" panose="020B0604020202020204" pitchFamily="34" charset="0"/>
+              <a:buChar char="•"/>
+            </a:pPr>
+            <a:r>
+              <a:rPr lang="ko-KR" altLang="en-US" sz="1600" dirty="0"/>
+              <a:t>모집단의 분산을 추정하고자 할 때 분모에 </a:t>
+            </a:r>
+            <a:r>
+              <a:rPr lang="en-US" altLang="ko-KR" sz="1600" dirty="0"/>
+              <a:t>n</a:t>
+            </a:r>
+            <a:r>
+              <a:rPr lang="ko-KR" altLang="en-US" sz="1600" dirty="0"/>
+              <a:t>을 사용하면 편향이 생김</a:t>
+            </a:r>
+            <a:r>
+              <a:rPr lang="en-US" altLang="ko-KR" sz="1600" dirty="0"/>
+              <a:t>, n-1</a:t>
+            </a:r>
+            <a:r>
+              <a:rPr lang="ko-KR" altLang="en-US" sz="1600" dirty="0"/>
+              <a:t>로 하면 편향이 생기지 않음</a:t>
             </a:r>
             <a:endParaRPr lang="en-US" altLang="ko-KR" sz="1600" dirty="0"/>
           </a:p>
@@ -4166,26 +4354,132 @@
                 <a:spcPct val="150000"/>
               </a:lnSpc>
             </a:pPr>
+            <a:endParaRPr lang="en-US" altLang="ko-KR" sz="1600" dirty="0"/>
+          </a:p>
+          <a:p>
+            <a:pPr>
+              <a:lnSpc>
+                <a:spcPct val="150000"/>
+              </a:lnSpc>
+            </a:pPr>
+            <a:r>
+              <a:rPr lang="ko-KR" altLang="en-US" sz="1800" b="1" dirty="0"/>
+              <a:t>데이터 과학에서 유의성 검정은 중요하지 않다</a:t>
+            </a:r>
+            <a:r>
+              <a:rPr lang="en-US" altLang="ko-KR" sz="1800" b="1" dirty="0"/>
+              <a:t>.</a:t>
+            </a:r>
+          </a:p>
+          <a:p>
+            <a:pPr marL="285750" indent="-285750">
+              <a:lnSpc>
+                <a:spcPct val="150000"/>
+              </a:lnSpc>
+              <a:buFontTx/>
+              <a:buChar char="-"/>
+            </a:pPr>
             <a:r>
               <a:rPr lang="ko-KR" altLang="en-US" sz="1600" dirty="0"/>
-              <a:t>모집단의 분산을 추정하고자 할 때 분모에 </a:t>
+              <a:t>데이터의 크기가 충분히 크기 때문에 거의 차이가 없다</a:t>
             </a:r>
             <a:r>
               <a:rPr lang="en-US" altLang="ko-KR" sz="1600" dirty="0"/>
-              <a:t>n</a:t>
-            </a:r>
-            <a:r>
-              <a:rPr lang="ko-KR" altLang="en-US" sz="1600" dirty="0"/>
-              <a:t>을 사용하면 편향이 생김</a:t>
-            </a:r>
-            <a:r>
-              <a:rPr lang="en-US" altLang="ko-KR" sz="1600" dirty="0"/>
-              <a:t>, n-1</a:t>
-            </a:r>
-            <a:r>
-              <a:rPr lang="ko-KR" altLang="en-US" sz="1600" dirty="0"/>
-              <a:t>로 하면 편향이 생기지 않음</a:t>
-            </a:r>
+              <a:t>.</a:t>
+            </a:r>
+          </a:p>
+          <a:p>
+            <a:pPr>
+              <a:lnSpc>
+                <a:spcPct val="150000"/>
+              </a:lnSpc>
+            </a:pPr>
+            <a:endParaRPr lang="en-US" altLang="ko-KR" sz="1600" dirty="0"/>
+          </a:p>
+          <a:p>
+            <a:pPr>
+              <a:lnSpc>
+                <a:spcPct val="150000"/>
+              </a:lnSpc>
+            </a:pPr>
+            <a:endParaRPr lang="en-US" altLang="ko-KR" sz="1600" dirty="0"/>
+          </a:p>
+          <a:p>
+            <a:pPr>
+              <a:lnSpc>
+                <a:spcPct val="150000"/>
+              </a:lnSpc>
+            </a:pPr>
+            <a:r>
+              <a:rPr lang="ko-KR" altLang="en-US" sz="1800" b="1" dirty="0"/>
+              <a:t>회귀에서 요인</a:t>
+            </a:r>
+            <a:r>
+              <a:rPr lang="en-US" altLang="ko-KR" sz="1800" b="1" dirty="0"/>
+              <a:t>(</a:t>
+            </a:r>
+            <a:r>
+              <a:rPr lang="ko-KR" altLang="en-US" sz="1800" b="1" dirty="0"/>
+              <a:t>범주</a:t>
+            </a:r>
+            <a:r>
+              <a:rPr lang="en-US" altLang="ko-KR" sz="1800" b="1" dirty="0"/>
+              <a:t>)</a:t>
+            </a:r>
+            <a:r>
+              <a:rPr lang="ko-KR" altLang="en-US" sz="1800" b="1" dirty="0"/>
+              <a:t>변수를 사용할 때는 중요하다</a:t>
+            </a:r>
+            <a:r>
+              <a:rPr lang="en-US" altLang="ko-KR" sz="1800" b="1" dirty="0"/>
+              <a:t>.</a:t>
+            </a:r>
+            <a:endParaRPr lang="ko-KR" altLang="en-US" sz="1800" b="1" dirty="0"/>
+          </a:p>
+          <a:p>
+            <a:pPr marL="285750" lvl="1" indent="-285750">
+              <a:lnSpc>
+                <a:spcPct val="150000"/>
+              </a:lnSpc>
+              <a:buFont typeface="Wingdings" panose="05000000000000000000" pitchFamily="2" charset="2"/>
+              <a:buChar char="ü"/>
+            </a:pPr>
+            <a:r>
+              <a:rPr lang="ko-KR" altLang="en-US" sz="1800" dirty="0"/>
+              <a:t>범주형 변수를 </a:t>
+            </a:r>
+            <a:r>
+              <a:rPr lang="en-US" altLang="ko-KR" sz="1800" dirty="0"/>
+              <a:t>dummy </a:t>
+            </a:r>
+            <a:r>
+              <a:rPr lang="ko-KR" altLang="en-US" sz="1800" dirty="0"/>
+              <a:t>변수로 바꾸는 경우</a:t>
+            </a:r>
+            <a:r>
+              <a:rPr lang="en-US" altLang="ko-KR" sz="1800" dirty="0"/>
+              <a:t>! </a:t>
+            </a:r>
+            <a:r>
+              <a:rPr lang="ko-KR" altLang="en-US" sz="1800" dirty="0"/>
+              <a:t>요일별로 더미 변수를 만든다면 자유도는 </a:t>
+            </a:r>
+            <a:r>
+              <a:rPr lang="en-US" altLang="ko-KR" sz="1800" dirty="0"/>
+              <a:t>6</a:t>
+            </a:r>
+            <a:r>
+              <a:rPr lang="ko-KR" altLang="en-US" sz="1800" dirty="0"/>
+              <a:t>이어야 한다</a:t>
+            </a:r>
+            <a:endParaRPr lang="en-US" altLang="ko-KR" sz="1800" dirty="0"/>
+          </a:p>
+          <a:p>
+            <a:pPr>
+              <a:lnSpc>
+                <a:spcPct val="150000"/>
+              </a:lnSpc>
+            </a:pPr>
             <a:endParaRPr lang="en-US" altLang="ko-KR" sz="1600" dirty="0"/>
           </a:p>
           <a:p>
@@ -4213,13 +4507,13 @@
           <p:nvPr>
             <p:extLst>
               <p:ext uri="{D42A27DB-BD31-4B8C-83A1-F6EECF244321}">
-                <p14:modId xmlns:p14="http://schemas.microsoft.com/office/powerpoint/2010/main" val="3611439210"/>
+                <p14:modId xmlns:p14="http://schemas.microsoft.com/office/powerpoint/2010/main" val="1061566252"/>
               </p:ext>
             </p:extLst>
           </p:nvPr>
         </p:nvGraphicFramePr>
         <p:xfrm>
-          <a:off x="6740238" y="2508532"/>
+          <a:off x="7081095" y="2809557"/>
           <a:ext cx="2437674" cy="1489408"/>
         </p:xfrm>
         <a:graphic>
@@ -4394,98 +4688,119 @@
           </a:graphicData>
         </a:graphic>
       </p:graphicFrame>
-      <p:sp>
-        <p:nvSpPr>
-          <p:cNvPr id="4" name="TextBox 3">
+      <p:grpSp>
+        <p:nvGrpSpPr>
+          <p:cNvPr id="3" name="그룹 2">
             <a:extLst>
               <a:ext uri="{FF2B5EF4-FFF2-40B4-BE49-F238E27FC236}">
-                <a16:creationId xmlns:a16="http://schemas.microsoft.com/office/drawing/2014/main" id="{DE93B914-91B6-435B-8030-C381DA354F36}"/>
+                <a16:creationId xmlns:a16="http://schemas.microsoft.com/office/drawing/2014/main" id="{E6B2EC5D-9AE0-4665-B8E8-9C6CC37DBF9A}"/>
               </a:ext>
             </a:extLst>
           </p:cNvPr>
-          <p:cNvSpPr txBox="1"/>
+          <p:cNvGrpSpPr/>
           <p:nvPr/>
-        </p:nvSpPr>
-        <p:spPr>
+        </p:nvGrpSpPr>
+        <p:grpSpPr>
           <a:xfrm>
-            <a:off x="6796235" y="2063578"/>
-            <a:ext cx="2347784" cy="338554"/>
+            <a:off x="7025862" y="2468487"/>
+            <a:ext cx="2458995" cy="1514852"/>
+            <a:chOff x="6685005" y="2167462"/>
+            <a:chExt cx="2458995" cy="1514852"/>
           </a:xfrm>
-          <a:prstGeom prst="rect">
-            <a:avLst/>
-          </a:prstGeom>
-          <a:noFill/>
-        </p:spPr>
-        <p:txBody>
-          <a:bodyPr wrap="square" rtlCol="0">
-            <a:spAutoFit/>
-          </a:bodyPr>
-          <a:lstStyle/>
-          <a:p>
-            <a:r>
-              <a:rPr lang="ko-KR" altLang="en-US" sz="1600" dirty="0"/>
-              <a:t>평균 </a:t>
-            </a:r>
-            <a:r>
-              <a:rPr lang="en-US" altLang="ko-KR" sz="1600" dirty="0"/>
-              <a:t>= 3, n = 3</a:t>
-            </a:r>
-            <a:endParaRPr lang="ko-KR" altLang="en-US" sz="1600" dirty="0"/>
-          </a:p>
-        </p:txBody>
-      </p:sp>
-      <p:sp>
-        <p:nvSpPr>
-          <p:cNvPr id="5" name="직사각형 4">
-            <a:extLst>
-              <a:ext uri="{FF2B5EF4-FFF2-40B4-BE49-F238E27FC236}">
-                <a16:creationId xmlns:a16="http://schemas.microsoft.com/office/drawing/2014/main" id="{ED055D0A-521A-4794-B7DF-FB702312F261}"/>
-              </a:ext>
-            </a:extLst>
-          </p:cNvPr>
-          <p:cNvSpPr/>
-          <p:nvPr/>
-        </p:nvSpPr>
-        <p:spPr>
-          <a:xfrm>
-            <a:off x="6685005" y="2842054"/>
-            <a:ext cx="1285103" cy="840260"/>
-          </a:xfrm>
-          <a:prstGeom prst="rect">
-            <a:avLst/>
-          </a:prstGeom>
-          <a:noFill/>
-          <a:ln w="38100">
-            <a:solidFill>
-              <a:srgbClr val="FF0000"/>
-            </a:solidFill>
-          </a:ln>
-        </p:spPr>
-        <p:style>
-          <a:lnRef idx="2">
-            <a:schemeClr val="accent1">
-              <a:shade val="50000"/>
-            </a:schemeClr>
-          </a:lnRef>
-          <a:fillRef idx="1">
-            <a:schemeClr val="accent1"/>
-          </a:fillRef>
-          <a:effectRef idx="0">
-            <a:schemeClr val="accent1"/>
-          </a:effectRef>
-          <a:fontRef idx="minor">
-            <a:schemeClr val="lt1"/>
-          </a:fontRef>
-        </p:style>
-        <p:txBody>
-          <a:bodyPr rtlCol="0" anchor="ctr"/>
-          <a:lstStyle/>
-          <a:p>
-            <a:pPr algn="ctr"/>
-            <a:endParaRPr lang="ko-KR" altLang="en-US"/>
-          </a:p>
-        </p:txBody>
-      </p:sp>
+        </p:grpSpPr>
+        <p:sp>
+          <p:nvSpPr>
+            <p:cNvPr id="4" name="TextBox 3">
+              <a:extLst>
+                <a:ext uri="{FF2B5EF4-FFF2-40B4-BE49-F238E27FC236}">
+                  <a16:creationId xmlns:a16="http://schemas.microsoft.com/office/drawing/2014/main" id="{DE93B914-91B6-435B-8030-C381DA354F36}"/>
+                </a:ext>
+              </a:extLst>
+            </p:cNvPr>
+            <p:cNvSpPr txBox="1"/>
+            <p:nvPr/>
+          </p:nvSpPr>
+          <p:spPr>
+            <a:xfrm>
+              <a:off x="6796216" y="2167462"/>
+              <a:ext cx="2347784" cy="338554"/>
+            </a:xfrm>
+            <a:prstGeom prst="rect">
+              <a:avLst/>
+            </a:prstGeom>
+            <a:noFill/>
+          </p:spPr>
+          <p:txBody>
+            <a:bodyPr wrap="square" rtlCol="0">
+              <a:spAutoFit/>
+            </a:bodyPr>
+            <a:lstStyle/>
+            <a:p>
+              <a:r>
+                <a:rPr lang="ko-KR" altLang="en-US" sz="1600" b="1" dirty="0"/>
+                <a:t>평균 </a:t>
+              </a:r>
+              <a:r>
+                <a:rPr lang="en-US" altLang="ko-KR" sz="1600" b="1" dirty="0"/>
+                <a:t>= 3, n = 3</a:t>
+              </a:r>
+              <a:endParaRPr lang="ko-KR" altLang="en-US" sz="1600" b="1" dirty="0"/>
+            </a:p>
+          </p:txBody>
+        </p:sp>
+        <p:sp>
+          <p:nvSpPr>
+            <p:cNvPr id="5" name="직사각형 4">
+              <a:extLst>
+                <a:ext uri="{FF2B5EF4-FFF2-40B4-BE49-F238E27FC236}">
+                  <a16:creationId xmlns:a16="http://schemas.microsoft.com/office/drawing/2014/main" id="{ED055D0A-521A-4794-B7DF-FB702312F261}"/>
+                </a:ext>
+              </a:extLst>
+            </p:cNvPr>
+            <p:cNvSpPr/>
+            <p:nvPr/>
+          </p:nvSpPr>
+          <p:spPr>
+            <a:xfrm>
+              <a:off x="6685005" y="2842054"/>
+              <a:ext cx="1285103" cy="840260"/>
+            </a:xfrm>
+            <a:prstGeom prst="rect">
+              <a:avLst/>
+            </a:prstGeom>
+            <a:noFill/>
+            <a:ln w="38100">
+              <a:solidFill>
+                <a:srgbClr val="FF0000"/>
+              </a:solidFill>
+            </a:ln>
+          </p:spPr>
+          <p:style>
+            <a:lnRef idx="2">
+              <a:schemeClr val="accent1">
+                <a:shade val="50000"/>
+              </a:schemeClr>
+            </a:lnRef>
+            <a:fillRef idx="1">
+              <a:schemeClr val="accent1"/>
+            </a:fillRef>
+            <a:effectRef idx="0">
+              <a:schemeClr val="accent1"/>
+            </a:effectRef>
+            <a:fontRef idx="minor">
+              <a:schemeClr val="lt1"/>
+            </a:fontRef>
+          </p:style>
+          <p:txBody>
+            <a:bodyPr rtlCol="0" anchor="ctr"/>
+            <a:lstStyle/>
+            <a:p>
+              <a:pPr algn="ctr"/>
+              <a:endParaRPr lang="ko-KR" altLang="en-US"/>
+            </a:p>
+          </p:txBody>
+        </p:sp>
+      </p:grpSp>
     </p:spTree>
     <p:extLst>
       <p:ext uri="{BB962C8B-B14F-4D97-AF65-F5344CB8AC3E}">
@@ -4699,165 +5014,280 @@
           </a:bodyPr>
           <a:lstStyle/>
           <a:p>
-            <a:r>
-              <a:rPr lang="ko-KR" altLang="en-US" sz="2400" dirty="0"/>
-              <a:t>표본을 통해 모집단의 분산을 추정하고자 할 때 분모에 </a:t>
-            </a:r>
-            <a:r>
-              <a:rPr lang="en-US" altLang="ko-KR" sz="2400" dirty="0"/>
-              <a:t>n </a:t>
-            </a:r>
-            <a:r>
-              <a:rPr lang="ko-KR" altLang="en-US" sz="2400" dirty="0"/>
-              <a:t>대신 </a:t>
-            </a:r>
-            <a:r>
-              <a:rPr lang="en-US" altLang="ko-KR" sz="2400" dirty="0"/>
-              <a:t>n-1</a:t>
-            </a:r>
-            <a:r>
-              <a:rPr lang="ko-KR" altLang="en-US" sz="2400" dirty="0"/>
-              <a:t>을 사용해야 </a:t>
-            </a:r>
-            <a:r>
-              <a:rPr lang="ko-KR" altLang="en-US" sz="2400" dirty="0" err="1"/>
-              <a:t>추정값에</a:t>
-            </a:r>
-            <a:r>
-              <a:rPr lang="ko-KR" altLang="en-US" sz="2400" dirty="0"/>
-              <a:t> 편향이 발생하지 않는다</a:t>
-            </a:r>
-            <a:r>
-              <a:rPr lang="en-US" altLang="ko-KR" sz="2400" dirty="0"/>
-              <a:t>. </a:t>
-            </a:r>
-            <a:r>
-              <a:rPr lang="ko-KR" altLang="en-US" sz="2400" dirty="0"/>
-              <a:t>그런데 이것이 데이터 과학에서도 중요할까</a:t>
-            </a:r>
-            <a:r>
-              <a:rPr lang="en-US" altLang="ko-KR" sz="2400" dirty="0"/>
-              <a:t>?</a:t>
-            </a:r>
+            <a:pPr lvl="1">
+              <a:lnSpc>
+                <a:spcPct val="150000"/>
+              </a:lnSpc>
+            </a:pPr>
+            <a:endParaRPr lang="en-US" altLang="ko-KR" sz="1800" dirty="0"/>
           </a:p>
           <a:p>
-            <a:endParaRPr lang="en-US" altLang="ko-KR" sz="2400" dirty="0"/>
+            <a:pPr marL="285750" lvl="1" indent="-285750">
+              <a:lnSpc>
+                <a:spcPct val="150000"/>
+              </a:lnSpc>
+              <a:buFont typeface="Wingdings" panose="05000000000000000000" pitchFamily="2" charset="2"/>
+              <a:buChar char="Ø"/>
+            </a:pPr>
+            <a:r>
+              <a:rPr lang="ko-KR" altLang="en-US" sz="1800" dirty="0"/>
+              <a:t>자유도는 </a:t>
+            </a:r>
+            <a:r>
+              <a:rPr lang="ko-KR" altLang="en-US" sz="1800" dirty="0" err="1"/>
+              <a:t>검정통계량을</a:t>
+            </a:r>
+            <a:r>
+              <a:rPr lang="ko-KR" altLang="en-US" sz="1800" dirty="0"/>
+              <a:t> </a:t>
+            </a:r>
+            <a:r>
+              <a:rPr lang="ko-KR" altLang="en-US" sz="1800" dirty="0" err="1"/>
+              <a:t>표준화하는</a:t>
+            </a:r>
+            <a:r>
+              <a:rPr lang="ko-KR" altLang="en-US" sz="1800" dirty="0"/>
+              <a:t> 계산의 일부이며</a:t>
+            </a:r>
+            <a:r>
+              <a:rPr lang="en-US" altLang="ko-KR" sz="1800" dirty="0"/>
+              <a:t>, </a:t>
+            </a:r>
+            <a:r>
+              <a:rPr lang="ko-KR" altLang="en-US" sz="1800" dirty="0"/>
+              <a:t>이를 통해 기준분포</a:t>
+            </a:r>
+            <a:r>
+              <a:rPr lang="en-US" altLang="ko-KR" sz="1800" dirty="0"/>
+              <a:t>(t</a:t>
+            </a:r>
+            <a:r>
+              <a:rPr lang="ko-KR" altLang="en-US" sz="1800" dirty="0"/>
+              <a:t> 분포</a:t>
+            </a:r>
+            <a:r>
+              <a:rPr lang="en-US" altLang="ko-KR" sz="1800" dirty="0"/>
+              <a:t>, F </a:t>
+            </a:r>
+            <a:r>
+              <a:rPr lang="ko-KR" altLang="en-US" sz="1800" dirty="0"/>
+              <a:t>분포 등</a:t>
+            </a:r>
+            <a:r>
+              <a:rPr lang="en-US" altLang="ko-KR" sz="1800" dirty="0"/>
+              <a:t>)</a:t>
+            </a:r>
+            <a:r>
+              <a:rPr lang="ko-KR" altLang="en-US" sz="1800" dirty="0"/>
+              <a:t>와 비교 할 수 있다</a:t>
+            </a:r>
+            <a:r>
+              <a:rPr lang="en-US" altLang="ko-KR" sz="1800" dirty="0"/>
+              <a:t>.</a:t>
+            </a:r>
           </a:p>
           <a:p>
-            <a:r>
-              <a:rPr lang="ko-KR" altLang="en-US" sz="2400" dirty="0"/>
-              <a:t>유의성 검정에서는 그렇지 않다</a:t>
-            </a:r>
+            <a:pPr marL="285750" lvl="1" indent="-285750">
+              <a:lnSpc>
+                <a:spcPct val="150000"/>
+              </a:lnSpc>
+              <a:buFont typeface="Wingdings" panose="05000000000000000000" pitchFamily="2" charset="2"/>
+              <a:buChar char="Ø"/>
+            </a:pPr>
+            <a:endParaRPr lang="en-US" altLang="ko-KR" sz="1800" dirty="0"/>
+          </a:p>
+          <a:p>
+            <a:pPr marL="285750" lvl="1" indent="-285750">
+              <a:lnSpc>
+                <a:spcPct val="150000"/>
+              </a:lnSpc>
+              <a:buFont typeface="Wingdings" panose="05000000000000000000" pitchFamily="2" charset="2"/>
+              <a:buChar char="Ø"/>
+            </a:pPr>
+            <a:r>
+              <a:rPr lang="ko-KR" altLang="en-US" sz="1800" dirty="0"/>
+              <a:t>자유도 개념은 회귀를 할 때 </a:t>
+            </a:r>
+            <a:r>
+              <a:rPr lang="en-US" altLang="ko-KR" sz="1800" dirty="0"/>
+              <a:t>(</a:t>
+            </a:r>
+            <a:r>
+              <a:rPr lang="ko-KR" altLang="en-US" sz="1800" dirty="0" err="1"/>
+              <a:t>다중공선성을</a:t>
+            </a:r>
+            <a:r>
+              <a:rPr lang="ko-KR" altLang="en-US" sz="1800" dirty="0"/>
+              <a:t> 피하기 위해</a:t>
+            </a:r>
+            <a:r>
+              <a:rPr lang="en-US" altLang="ko-KR" sz="1800" dirty="0"/>
+              <a:t>) </a:t>
+            </a:r>
+            <a:r>
+              <a:rPr lang="ko-KR" altLang="en-US" sz="1800" dirty="0"/>
+              <a:t>범주형 변수들을 </a:t>
+            </a:r>
+            <a:r>
+              <a:rPr lang="en-US" altLang="ko-KR" sz="1800" dirty="0"/>
+              <a:t>n-1 </a:t>
+            </a:r>
+            <a:r>
+              <a:rPr lang="ko-KR" altLang="en-US" sz="1800" dirty="0"/>
+              <a:t>지표 혹은 더미 변수로 </a:t>
+            </a:r>
+            <a:r>
+              <a:rPr lang="ko-KR" altLang="en-US" sz="1800" dirty="0" err="1"/>
+              <a:t>요인화하는</a:t>
+            </a:r>
+            <a:r>
+              <a:rPr lang="ko-KR" altLang="en-US" sz="1800" dirty="0"/>
+              <a:t> 것의 이유가 된다</a:t>
+            </a:r>
+            <a:r>
+              <a:rPr lang="en-US" altLang="ko-KR" sz="1800" dirty="0"/>
+              <a:t>.</a:t>
+            </a:r>
+          </a:p>
+          <a:p>
+            <a:pPr marL="285750" lvl="1" indent="-285750">
+              <a:lnSpc>
+                <a:spcPct val="150000"/>
+              </a:lnSpc>
+              <a:buFont typeface="Wingdings" panose="05000000000000000000" pitchFamily="2" charset="2"/>
+              <a:buChar char="Ø"/>
+            </a:pPr>
+            <a:endParaRPr lang="en-US" altLang="ko-KR" sz="1800" dirty="0"/>
+          </a:p>
+          <a:p>
+            <a:pPr marL="285750" lvl="1" indent="-285750">
+              <a:lnSpc>
+                <a:spcPct val="150000"/>
+              </a:lnSpc>
+              <a:buFont typeface="Wingdings" panose="05000000000000000000" pitchFamily="2" charset="2"/>
+              <a:buChar char="v"/>
+            </a:pPr>
+            <a:endParaRPr lang="en-US" altLang="ko-KR" sz="1800" b="1" dirty="0"/>
+          </a:p>
+          <a:p>
+            <a:pPr marL="285750" lvl="1" indent="-285750">
+              <a:lnSpc>
+                <a:spcPct val="150000"/>
+              </a:lnSpc>
+              <a:buFont typeface="Wingdings" panose="05000000000000000000" pitchFamily="2" charset="2"/>
+              <a:buChar char="v"/>
+            </a:pPr>
+            <a:r>
+              <a:rPr lang="ko-KR" altLang="en-US" sz="1800" b="1" dirty="0" err="1"/>
+              <a:t>검정통계량</a:t>
+            </a:r>
+            <a:r>
+              <a:rPr lang="ko-KR" altLang="en-US" sz="1800" dirty="0"/>
+              <a:t> </a:t>
+            </a:r>
+            <a:r>
+              <a:rPr lang="en-US" altLang="ko-KR" sz="1800" dirty="0"/>
+              <a:t>: </a:t>
+            </a:r>
+            <a:r>
+              <a:rPr lang="ko-KR" altLang="en-US" sz="1600" dirty="0">
+                <a:solidFill>
+                  <a:schemeClr val="tx1"/>
+                </a:solidFill>
+              </a:rPr>
+              <a:t>통계적 가설검정을 위하여 확률분포를 결정하는 데 사용되는 통계량</a:t>
+            </a:r>
+            <a:r>
+              <a:rPr lang="en-US" altLang="ko-KR" sz="1600" dirty="0">
+                <a:solidFill>
+                  <a:schemeClr val="tx1"/>
+                </a:solidFill>
+              </a:rPr>
+              <a:t>,  </a:t>
+            </a:r>
+            <a:r>
+              <a:rPr lang="ko-KR" altLang="en-US" sz="1600" dirty="0" err="1">
+                <a:solidFill>
+                  <a:schemeClr val="tx1"/>
+                </a:solidFill>
+              </a:rPr>
+              <a:t>표집분포가</a:t>
+            </a:r>
+            <a:r>
+              <a:rPr lang="ko-KR" altLang="en-US" sz="1600" dirty="0">
+                <a:solidFill>
+                  <a:schemeClr val="tx1"/>
+                </a:solidFill>
+              </a:rPr>
+              <a:t> 면적이 </a:t>
+            </a:r>
+            <a:r>
+              <a:rPr lang="en-US" altLang="ko-KR" sz="1600" dirty="0">
+                <a:solidFill>
+                  <a:schemeClr val="tx1"/>
+                </a:solidFill>
+              </a:rPr>
+              <a:t>1</a:t>
+            </a:r>
+            <a:r>
+              <a:rPr lang="ko-KR" altLang="en-US" sz="1600" dirty="0">
+                <a:solidFill>
+                  <a:schemeClr val="tx1"/>
+                </a:solidFill>
+              </a:rPr>
+              <a:t>인 확률분포가 되도록 추정치를 전환한 통계량</a:t>
+            </a:r>
+            <a:r>
+              <a:rPr lang="en-US" altLang="ko-KR" sz="1600" dirty="0">
+                <a:solidFill>
+                  <a:schemeClr val="tx1"/>
+                </a:solidFill>
+              </a:rPr>
+              <a:t>.</a:t>
+            </a:r>
+            <a:endParaRPr lang="en-US" altLang="ko-KR" sz="2000" dirty="0">
+              <a:solidFill>
+                <a:schemeClr val="tx1"/>
+              </a:solidFill>
+            </a:endParaRPr>
+          </a:p>
+          <a:p>
+            <a:pPr marL="285750" lvl="1" indent="-285750">
+              <a:lnSpc>
+                <a:spcPct val="150000"/>
+              </a:lnSpc>
+              <a:buFont typeface="Wingdings" panose="05000000000000000000" pitchFamily="2" charset="2"/>
+              <a:buChar char="v"/>
+            </a:pPr>
+            <a:r>
+              <a:rPr lang="ko-KR" altLang="en-US" sz="1800" b="1" dirty="0" err="1"/>
+              <a:t>다중공선성</a:t>
+            </a:r>
+            <a:r>
+              <a:rPr lang="ko-KR" altLang="en-US" sz="1800" dirty="0"/>
+              <a:t> </a:t>
+            </a:r>
+            <a:r>
+              <a:rPr lang="en-US" altLang="ko-KR" sz="1800" dirty="0"/>
+              <a:t>: </a:t>
+            </a:r>
+            <a:r>
+              <a:rPr lang="ko-KR" altLang="en-US" sz="1600" dirty="0"/>
+              <a:t>회귀 분석에서의 일부 예측 변수가 다른 예측 변수와 상관 정도가 높아</a:t>
+            </a:r>
+            <a:r>
+              <a:rPr lang="en-US" altLang="ko-KR" sz="1600" dirty="0"/>
+              <a:t>, </a:t>
+            </a:r>
+            <a:r>
+              <a:rPr lang="ko-KR" altLang="en-US" sz="1600" dirty="0"/>
+              <a:t>부정적 영향을 미치는 현상</a:t>
+            </a:r>
+            <a:endParaRPr lang="ko-KR" altLang="en-US" sz="1600" b="1" dirty="0"/>
           </a:p>
           <a:p>
             <a:pPr lvl="1"/>
-            <a:r>
-              <a:rPr lang="en-US" altLang="ko-KR" sz="2400" dirty="0"/>
-              <a:t>- </a:t>
-            </a:r>
-            <a:r>
-              <a:rPr lang="ko-KR" altLang="en-US" sz="2400" dirty="0"/>
-              <a:t>데이터의 크기가 대개 충분히 크기 때문에</a:t>
-            </a:r>
-            <a:r>
-              <a:rPr lang="en-US" altLang="ko-KR" sz="2400" dirty="0"/>
-              <a:t>, </a:t>
-            </a:r>
-            <a:r>
-              <a:rPr lang="ko-KR" altLang="en-US" sz="2400" dirty="0"/>
-              <a:t>분모가 </a:t>
-            </a:r>
-            <a:r>
-              <a:rPr lang="en-US" altLang="ko-KR" sz="2400" dirty="0"/>
-              <a:t>n</a:t>
-            </a:r>
-            <a:r>
-              <a:rPr lang="ko-KR" altLang="en-US" sz="2400" dirty="0"/>
-              <a:t>인지 </a:t>
-            </a:r>
-            <a:r>
-              <a:rPr lang="en-US" altLang="ko-KR" sz="2400" dirty="0"/>
-              <a:t>n-1</a:t>
-            </a:r>
-            <a:r>
-              <a:rPr lang="ko-KR" altLang="en-US" sz="2400" dirty="0"/>
-              <a:t>인지 크게 중요하지 않은 경우가 많다</a:t>
-            </a:r>
-            <a:endParaRPr lang="en-US" altLang="ko-KR" sz="2400" dirty="0"/>
-          </a:p>
-          <a:p>
-            <a:pPr lvl="1"/>
-            <a:endParaRPr lang="ko-KR" altLang="en-US" sz="2400" dirty="0"/>
-          </a:p>
-          <a:p>
-            <a:r>
-              <a:rPr lang="ko-KR" altLang="en-US" sz="2400" dirty="0"/>
-              <a:t>회귀에서 요인변수를 사용할 때는 중요하다</a:t>
-            </a:r>
-          </a:p>
-          <a:p>
-            <a:pPr lvl="1"/>
-            <a:r>
-              <a:rPr lang="en-US" altLang="ko-KR" sz="2400" dirty="0"/>
-              <a:t>- </a:t>
-            </a:r>
-            <a:r>
-              <a:rPr lang="ko-KR" altLang="en-US" sz="2400" dirty="0"/>
-              <a:t>범주형 변수를 </a:t>
-            </a:r>
-            <a:r>
-              <a:rPr lang="en-US" altLang="ko-KR" sz="2400" dirty="0"/>
-              <a:t>dummy </a:t>
-            </a:r>
-            <a:r>
-              <a:rPr lang="ko-KR" altLang="en-US" sz="2400" dirty="0"/>
-              <a:t>변수로 바꾸는 경우</a:t>
-            </a:r>
-            <a:r>
-              <a:rPr lang="en-US" altLang="ko-KR" sz="2400" dirty="0"/>
-              <a:t>!</a:t>
-            </a:r>
-          </a:p>
-          <a:p>
-            <a:pPr lvl="1"/>
-            <a:r>
-              <a:rPr lang="ko-KR" altLang="en-US" sz="2400" dirty="0"/>
-              <a:t>요일별로 더미 변수를 만든다면 자유도는 </a:t>
-            </a:r>
-            <a:r>
-              <a:rPr lang="en-US" altLang="ko-KR" sz="2400" dirty="0"/>
-              <a:t>6</a:t>
-            </a:r>
-            <a:r>
-              <a:rPr lang="ko-KR" altLang="en-US" sz="2400" dirty="0"/>
-              <a:t>이어야 한다</a:t>
-            </a:r>
-            <a:endParaRPr lang="en-US" altLang="ko-KR" sz="2400" dirty="0"/>
-          </a:p>
-          <a:p>
-            <a:pPr lvl="1"/>
-            <a:r>
-              <a:rPr lang="en-US" altLang="ko-KR" sz="2400" dirty="0">
-                <a:highlight>
-                  <a:srgbClr val="FFFF00"/>
-                </a:highlight>
-                <a:hlinkClick r:id="rId3"/>
-              </a:rPr>
-              <a:t>https://m.blog.naver.com/PostView.nhn?blogId=2feelus&amp;logNo=220391880091&amp;proxyReferer=https:%2F%2Fwww.google.com%2F</a:t>
-            </a:r>
-            <a:endParaRPr lang="ko-KR" altLang="en-US" sz="2400" dirty="0">
-              <a:highlight>
-                <a:srgbClr val="FFFF00"/>
-              </a:highlight>
-            </a:endParaRPr>
-          </a:p>
-          <a:p>
-            <a:pPr lvl="1"/>
-            <a:endParaRPr lang="en-US" altLang="ko-KR" sz="2400" dirty="0"/>
-          </a:p>
-          <a:p>
-            <a:pPr lvl="1"/>
-            <a:endParaRPr lang="ko-KR" altLang="en-US" sz="2400" dirty="0"/>
+            <a:endParaRPr lang="ko-KR" altLang="en-US" sz="1800" dirty="0"/>
           </a:p>
         </p:txBody>
       </p:sp>
@@ -4865,36 +5295,6 @@
     <p:extLst>
       <p:ext uri="{BB962C8B-B14F-4D97-AF65-F5344CB8AC3E}">
         <p14:creationId xmlns:p14="http://schemas.microsoft.com/office/powerpoint/2010/main" val="2655589011"/>
-      </p:ext>
-    </p:extLst>
-  </p:cSld>
-  <p:clrMapOvr>
-    <a:masterClrMapping/>
-  </p:clrMapOvr>
-</p:sld>
-</file>
-
-<file path=ppt/slides/slide3.xml><?xml version="1.0" encoding="utf-8"?>
-<p:sld xmlns:a="http://schemas.openxmlformats.org/drawingml/2006/main" xmlns:r="http://schemas.openxmlformats.org/officeDocument/2006/relationships" xmlns:p="http://schemas.openxmlformats.org/presentationml/2006/main">
-  <p:cSld>
-    <p:spTree>
-      <p:nvGrpSpPr>
-        <p:cNvPr id="1" name=""/>
-        <p:cNvGrpSpPr/>
-        <p:nvPr/>
-      </p:nvGrpSpPr>
-      <p:grpSpPr>
-        <a:xfrm>
-          <a:off x="0" y="0"/>
-          <a:ext cx="0" cy="0"/>
-          <a:chOff x="0" y="0"/>
-          <a:chExt cx="0" cy="0"/>
-        </a:xfrm>
-      </p:grpSpPr>
-    </p:spTree>
-    <p:extLst>
-      <p:ext uri="{BB962C8B-B14F-4D97-AF65-F5344CB8AC3E}">
-        <p14:creationId xmlns:p14="http://schemas.microsoft.com/office/powerpoint/2010/main" val="3663201989"/>
       </p:ext>
     </p:extLst>
   </p:cSld>
